--- a/第一週_1.課堂規定_評量標準_及課程方向_進度安排.pptx
+++ b/第一週_1.課堂規定_評量標準_及課程方向_進度安排.pptx
@@ -3961,6 +3961,13 @@
             </a:endParaRPr>
           </a:p>
           <a:p>
+            <a:r>
+              <a:rPr lang="en-US" altLang="zh-TW" sz="3200" smtClean="0">
+                <a:latin typeface="標楷體" panose="03000509000000000000" pitchFamily="65" charset="-120"/>
+                <a:ea typeface="標楷體" panose="03000509000000000000" pitchFamily="65" charset="-120"/>
+              </a:rPr>
+              <a:t>      </a:t>
+            </a:r>
             <a:endParaRPr lang="en-US" altLang="zh-TW" sz="3200" dirty="0">
               <a:latin typeface="標楷體" panose="03000509000000000000" pitchFamily="65" charset="-120"/>
               <a:ea typeface="標楷體" panose="03000509000000000000" pitchFamily="65" charset="-120"/>
